--- a/report/4조 3주차/VLSI 졸업작품 4조 발표 ppt 03.pptx
+++ b/report/4조 3주차/VLSI 졸업작품 4조 발표 ppt 03.pptx
@@ -7,8 +7,10 @@
   <p:sldIdLst>
     <p:sldId id="256" r:id="rId2"/>
     <p:sldId id="257" r:id="rId3"/>
-    <p:sldId id="258" r:id="rId4"/>
-    <p:sldId id="259" r:id="rId5"/>
+    <p:sldId id="260" r:id="rId4"/>
+    <p:sldId id="261" r:id="rId5"/>
+    <p:sldId id="258" r:id="rId6"/>
+    <p:sldId id="259" r:id="rId7"/>
   </p:sldIdLst>
   <p:sldSz cx="12192000" cy="6858000"/>
   <p:notesSz cx="6858000" cy="9144000"/>
@@ -12523,11 +12525,15 @@
             </a:r>
             <a:r>
               <a:rPr lang="en-US" altLang="ko-KR" dirty="0"/>
-              <a:t>2</a:t>
+              <a:t>3</a:t>
+            </a:r>
+            <a:r>
+              <a:rPr lang="ko-KR" altLang="en-US" smtClean="0"/>
+              <a:t>주차 </a:t>
             </a:r>
             <a:r>
               <a:rPr lang="ko-KR" altLang="en-US" dirty="0"/>
-              <a:t>주차 발표자료</a:t>
+              <a:t>발표자료</a:t>
             </a:r>
             <a:endParaRPr lang="en-US" dirty="0"/>
           </a:p>
@@ -12562,6 +12568,13 @@
   <p:clrMapOvr>
     <a:masterClrMapping/>
   </p:clrMapOvr>
+  <p:timing>
+    <p:tnLst>
+      <p:par>
+        <p:cTn id="1" dur="indefinite" restart="never" nodeType="tmRoot"/>
+      </p:par>
+    </p:tnLst>
+  </p:timing>
 </p:sld>
 </file>
 
@@ -12587,7 +12600,7 @@
           <p:cNvPr id="2" name="제목 1">
             <a:extLst>
               <a:ext uri="{FF2B5EF4-FFF2-40B4-BE49-F238E27FC236}">
-                <a16:creationId xmlns:a16="http://schemas.microsoft.com/office/drawing/2014/main" id="{9CE7203B-F649-4335-A715-32934C66B545}"/>
+                <a16:creationId xmlns="" xmlns:a16="http://schemas.microsoft.com/office/drawing/2014/main" id="{9CE7203B-F649-4335-A715-32934C66B545}"/>
               </a:ext>
             </a:extLst>
           </p:cNvPr>
@@ -12622,38 +12635,314 @@
           </a:p>
         </p:txBody>
       </p:sp>
-      <p:pic>
-        <p:nvPicPr>
-          <p:cNvPr id="4" name="내용 개체 틀 3">
-            <a:extLst>
-              <a:ext uri="{FF2B5EF4-FFF2-40B4-BE49-F238E27FC236}">
-                <a16:creationId xmlns:a16="http://schemas.microsoft.com/office/drawing/2014/main" id="{C6DCD680-0C14-452F-A4AC-81D9A7ADDF45}"/>
-              </a:ext>
-            </a:extLst>
-          </p:cNvPr>
-          <p:cNvPicPr>
-            <a:picLocks noGrp="1" noChangeAspect="1"/>
-          </p:cNvPicPr>
-          <p:nvPr>
-            <p:ph idx="1"/>
-          </p:nvPr>
-        </p:nvPicPr>
-        <p:blipFill>
-          <a:blip r:embed="rId2"/>
-          <a:stretch>
-            <a:fillRect/>
-          </a:stretch>
-        </p:blipFill>
+      <p:sp>
+        <p:nvSpPr>
+          <p:cNvPr id="7" name="모서리가 둥근 직사각형 6"/>
+          <p:cNvSpPr/>
+          <p:nvPr/>
+        </p:nvSpPr>
         <p:spPr>
           <a:xfrm>
-            <a:off x="2880582" y="2074071"/>
-            <a:ext cx="6427660" cy="4165411"/>
+            <a:off x="2459065" y="4693405"/>
+            <a:ext cx="1735810" cy="1069384"/>
           </a:xfrm>
-          <a:prstGeom prst="rect">
+          <a:prstGeom prst="roundRect">
             <a:avLst/>
           </a:prstGeom>
         </p:spPr>
-      </p:pic>
+        <p:style>
+          <a:lnRef idx="3">
+            <a:schemeClr val="lt1"/>
+          </a:lnRef>
+          <a:fillRef idx="1">
+            <a:schemeClr val="accent2"/>
+          </a:fillRef>
+          <a:effectRef idx="1">
+            <a:schemeClr val="accent2"/>
+          </a:effectRef>
+          <a:fontRef idx="minor">
+            <a:schemeClr val="lt1"/>
+          </a:fontRef>
+        </p:style>
+        <p:txBody>
+          <a:bodyPr rtlCol="0" anchor="ctr"/>
+          <a:lstStyle/>
+          <a:p>
+            <a:pPr algn="ctr"/>
+            <a:r>
+              <a:rPr lang="ko-KR" altLang="en-US" dirty="0"/>
+              <a:t>대표직선으로 </a:t>
+            </a:r>
+            <a:r>
+              <a:rPr lang="en-US" altLang="ko-KR" dirty="0"/>
+              <a:t>Steering</a:t>
+            </a:r>
+            <a:r>
+              <a:rPr lang="ko-KR" altLang="en-US" dirty="0"/>
+              <a:t>각도 계산</a:t>
+            </a:r>
+            <a:endParaRPr lang="en-US" altLang="ko-KR" dirty="0"/>
+          </a:p>
+        </p:txBody>
+      </p:sp>
+      <p:sp>
+        <p:nvSpPr>
+          <p:cNvPr id="8" name="모서리가 둥근 직사각형 7"/>
+          <p:cNvSpPr/>
+          <p:nvPr/>
+        </p:nvSpPr>
+        <p:spPr>
+          <a:xfrm>
+            <a:off x="2459065" y="2402238"/>
+            <a:ext cx="1735810" cy="1069384"/>
+          </a:xfrm>
+          <a:prstGeom prst="roundRect">
+            <a:avLst/>
+          </a:prstGeom>
+        </p:spPr>
+        <p:style>
+          <a:lnRef idx="3">
+            <a:schemeClr val="lt1"/>
+          </a:lnRef>
+          <a:fillRef idx="1">
+            <a:schemeClr val="accent1"/>
+          </a:fillRef>
+          <a:effectRef idx="1">
+            <a:schemeClr val="accent1"/>
+          </a:effectRef>
+          <a:fontRef idx="minor">
+            <a:schemeClr val="lt1"/>
+          </a:fontRef>
+        </p:style>
+        <p:txBody>
+          <a:bodyPr rtlCol="0" anchor="ctr"/>
+          <a:lstStyle/>
+          <a:p>
+            <a:pPr algn="ctr"/>
+            <a:r>
+              <a:rPr lang="ko-KR" altLang="en-US" dirty="0" smtClean="0"/>
+              <a:t>관심영역설정</a:t>
+            </a:r>
+            <a:endParaRPr lang="en-US" altLang="ko-KR" dirty="0" smtClean="0"/>
+          </a:p>
+        </p:txBody>
+      </p:sp>
+      <p:sp>
+        <p:nvSpPr>
+          <p:cNvPr id="9" name="모서리가 둥근 직사각형 8"/>
+          <p:cNvSpPr/>
+          <p:nvPr/>
+        </p:nvSpPr>
+        <p:spPr>
+          <a:xfrm>
+            <a:off x="7883471" y="2402238"/>
+            <a:ext cx="1735810" cy="1069384"/>
+          </a:xfrm>
+          <a:prstGeom prst="roundRect">
+            <a:avLst/>
+          </a:prstGeom>
+        </p:spPr>
+        <p:style>
+          <a:lnRef idx="3">
+            <a:schemeClr val="lt1"/>
+          </a:lnRef>
+          <a:fillRef idx="1">
+            <a:schemeClr val="accent2"/>
+          </a:fillRef>
+          <a:effectRef idx="1">
+            <a:schemeClr val="accent2"/>
+          </a:effectRef>
+          <a:fontRef idx="minor">
+            <a:schemeClr val="lt1"/>
+          </a:fontRef>
+        </p:style>
+        <p:txBody>
+          <a:bodyPr rtlCol="0" anchor="ctr"/>
+          <a:lstStyle/>
+          <a:p>
+            <a:pPr algn="ctr"/>
+            <a:r>
+              <a:rPr lang="en-US" altLang="ko-KR" dirty="0" smtClean="0"/>
+              <a:t>Canny &amp; </a:t>
+            </a:r>
+            <a:r>
+              <a:rPr lang="en-US" altLang="ko-KR" dirty="0"/>
+              <a:t>H</a:t>
+            </a:r>
+            <a:r>
+              <a:rPr lang="en-US" altLang="ko-KR" dirty="0" smtClean="0"/>
+              <a:t>ough </a:t>
+            </a:r>
+            <a:r>
+              <a:rPr lang="ko-KR" altLang="en-US" dirty="0" smtClean="0"/>
+              <a:t>직선 검출</a:t>
+            </a:r>
+            <a:endParaRPr lang="ko-KR" altLang="en-US" dirty="0"/>
+          </a:p>
+        </p:txBody>
+      </p:sp>
+      <p:sp>
+        <p:nvSpPr>
+          <p:cNvPr id="10" name="모서리가 둥근 직사각형 9"/>
+          <p:cNvSpPr/>
+          <p:nvPr/>
+        </p:nvSpPr>
+        <p:spPr>
+          <a:xfrm>
+            <a:off x="7883471" y="4693405"/>
+            <a:ext cx="1735810" cy="1069384"/>
+          </a:xfrm>
+          <a:prstGeom prst="roundRect">
+            <a:avLst/>
+          </a:prstGeom>
+        </p:spPr>
+        <p:style>
+          <a:lnRef idx="3">
+            <a:schemeClr val="lt1"/>
+          </a:lnRef>
+          <a:fillRef idx="1">
+            <a:schemeClr val="accent1"/>
+          </a:fillRef>
+          <a:effectRef idx="1">
+            <a:schemeClr val="accent1"/>
+          </a:effectRef>
+          <a:fontRef idx="minor">
+            <a:schemeClr val="lt1"/>
+          </a:fontRef>
+        </p:style>
+        <p:txBody>
+          <a:bodyPr rtlCol="0" anchor="ctr"/>
+          <a:lstStyle/>
+          <a:p>
+            <a:pPr algn="ctr"/>
+            <a:r>
+              <a:rPr lang="ko-KR" altLang="en-US" dirty="0" smtClean="0"/>
+              <a:t>대표성을 띄는 직선 검출</a:t>
+            </a:r>
+            <a:endParaRPr lang="en-US" altLang="ko-KR" dirty="0" smtClean="0"/>
+          </a:p>
+        </p:txBody>
+      </p:sp>
+      <p:sp>
+        <p:nvSpPr>
+          <p:cNvPr id="13" name="오른쪽 화살표 12"/>
+          <p:cNvSpPr/>
+          <p:nvPr/>
+        </p:nvSpPr>
+        <p:spPr>
+          <a:xfrm>
+            <a:off x="4510007" y="2859437"/>
+            <a:ext cx="2983424" cy="185980"/>
+          </a:xfrm>
+          <a:prstGeom prst="rightArrow">
+            <a:avLst/>
+          </a:prstGeom>
+        </p:spPr>
+        <p:style>
+          <a:lnRef idx="2">
+            <a:schemeClr val="accent1">
+              <a:shade val="50000"/>
+            </a:schemeClr>
+          </a:lnRef>
+          <a:fillRef idx="1">
+            <a:schemeClr val="accent1"/>
+          </a:fillRef>
+          <a:effectRef idx="0">
+            <a:schemeClr val="accent1"/>
+          </a:effectRef>
+          <a:fontRef idx="minor">
+            <a:schemeClr val="lt1"/>
+          </a:fontRef>
+        </p:style>
+        <p:txBody>
+          <a:bodyPr rtlCol="0" anchor="ctr"/>
+          <a:lstStyle/>
+          <a:p>
+            <a:pPr algn="ctr"/>
+            <a:endParaRPr lang="ko-KR" altLang="en-US"/>
+          </a:p>
+        </p:txBody>
+      </p:sp>
+      <p:sp>
+        <p:nvSpPr>
+          <p:cNvPr id="14" name="오른쪽 화살표 13"/>
+          <p:cNvSpPr/>
+          <p:nvPr/>
+        </p:nvSpPr>
+        <p:spPr>
+          <a:xfrm rot="10800000">
+            <a:off x="4510007" y="5228097"/>
+            <a:ext cx="2983424" cy="185980"/>
+          </a:xfrm>
+          <a:prstGeom prst="rightArrow">
+            <a:avLst/>
+          </a:prstGeom>
+        </p:spPr>
+        <p:style>
+          <a:lnRef idx="2">
+            <a:schemeClr val="accent1">
+              <a:shade val="50000"/>
+            </a:schemeClr>
+          </a:lnRef>
+          <a:fillRef idx="1">
+            <a:schemeClr val="accent1"/>
+          </a:fillRef>
+          <a:effectRef idx="0">
+            <a:schemeClr val="accent1"/>
+          </a:effectRef>
+          <a:fontRef idx="minor">
+            <a:schemeClr val="lt1"/>
+          </a:fontRef>
+        </p:style>
+        <p:txBody>
+          <a:bodyPr rtlCol="0" anchor="ctr"/>
+          <a:lstStyle/>
+          <a:p>
+            <a:pPr algn="ctr"/>
+            <a:endParaRPr lang="ko-KR" altLang="en-US"/>
+          </a:p>
+        </p:txBody>
+      </p:sp>
+      <p:sp>
+        <p:nvSpPr>
+          <p:cNvPr id="15" name="오른쪽 화살표 14"/>
+          <p:cNvSpPr/>
+          <p:nvPr/>
+        </p:nvSpPr>
+        <p:spPr>
+          <a:xfrm rot="5400000">
+            <a:off x="8313549" y="3989524"/>
+            <a:ext cx="875653" cy="185980"/>
+          </a:xfrm>
+          <a:prstGeom prst="rightArrow">
+            <a:avLst/>
+          </a:prstGeom>
+        </p:spPr>
+        <p:style>
+          <a:lnRef idx="2">
+            <a:schemeClr val="accent1">
+              <a:shade val="50000"/>
+            </a:schemeClr>
+          </a:lnRef>
+          <a:fillRef idx="1">
+            <a:schemeClr val="accent1"/>
+          </a:fillRef>
+          <a:effectRef idx="0">
+            <a:schemeClr val="accent1"/>
+          </a:effectRef>
+          <a:fontRef idx="minor">
+            <a:schemeClr val="lt1"/>
+          </a:fontRef>
+        </p:style>
+        <p:txBody>
+          <a:bodyPr rtlCol="0" anchor="ctr"/>
+          <a:lstStyle/>
+          <a:p>
+            <a:pPr algn="ctr"/>
+            <a:endParaRPr lang="ko-KR" altLang="en-US"/>
+          </a:p>
+        </p:txBody>
+      </p:sp>
     </p:spTree>
     <p:extLst>
       <p:ext uri="{BB962C8B-B14F-4D97-AF65-F5344CB8AC3E}">
@@ -12664,6 +12953,13 @@
   <p:clrMapOvr>
     <a:masterClrMapping/>
   </p:clrMapOvr>
+  <p:timing>
+    <p:tnLst>
+      <p:par>
+        <p:cTn id="1" dur="indefinite" restart="never" nodeType="tmRoot"/>
+      </p:par>
+    </p:tnLst>
+  </p:timing>
 </p:sld>
 </file>
 
@@ -12689,7 +12985,509 @@
           <p:cNvPr id="2" name="제목 1">
             <a:extLst>
               <a:ext uri="{FF2B5EF4-FFF2-40B4-BE49-F238E27FC236}">
-                <a16:creationId xmlns:a16="http://schemas.microsoft.com/office/drawing/2014/main" id="{0AB62774-5A18-416E-BD17-DD7EA1FC0605}"/>
+                <a16:creationId xmlns="" xmlns:a16="http://schemas.microsoft.com/office/drawing/2014/main" id="{9CE7203B-F649-4335-A715-32934C66B545}"/>
+              </a:ext>
+            </a:extLst>
+          </p:cNvPr>
+          <p:cNvSpPr>
+            <a:spLocks noGrp="1"/>
+          </p:cNvSpPr>
+          <p:nvPr>
+            <p:ph type="title"/>
+          </p:nvPr>
+        </p:nvSpPr>
+        <p:spPr/>
+        <p:txBody>
+          <a:bodyPr>
+            <a:normAutofit/>
+          </a:bodyPr>
+          <a:lstStyle/>
+          <a:p>
+            <a:pPr algn="ctr"/>
+            <a:r>
+              <a:rPr lang="ko-KR" altLang="en-US" sz="3200" b="1" dirty="0"/>
+              <a:t>자율주행기능을 위한 차선인식 및 </a:t>
+            </a:r>
+            <a:r>
+              <a:rPr lang="en-US" altLang="ko-KR" sz="3200" b="1" dirty="0"/>
+              <a:t>steering </a:t>
+            </a:r>
+            <a:r>
+              <a:rPr lang="ko-KR" altLang="en-US" sz="3200" b="1" dirty="0"/>
+              <a:t>알고리즘</a:t>
+            </a:r>
+            <a:endParaRPr lang="ko-KR" altLang="en-US" sz="3200" dirty="0"/>
+          </a:p>
+        </p:txBody>
+      </p:sp>
+      <p:pic>
+        <p:nvPicPr>
+          <p:cNvPr id="4" name="내용 개체 틀 3">
+            <a:extLst>
+              <a:ext uri="{FF2B5EF4-FFF2-40B4-BE49-F238E27FC236}">
+                <a16:creationId xmlns="" xmlns:a16="http://schemas.microsoft.com/office/drawing/2014/main" id="{C6DCD680-0C14-452F-A4AC-81D9A7ADDF45}"/>
+              </a:ext>
+            </a:extLst>
+          </p:cNvPr>
+          <p:cNvPicPr>
+            <a:picLocks noGrp="1" noChangeAspect="1"/>
+          </p:cNvPicPr>
+          <p:nvPr>
+            <p:ph idx="1"/>
+          </p:nvPr>
+        </p:nvPicPr>
+        <p:blipFill>
+          <a:blip r:embed="rId2"/>
+          <a:stretch>
+            <a:fillRect/>
+          </a:stretch>
+        </p:blipFill>
+        <p:spPr>
+          <a:xfrm>
+            <a:off x="439599" y="2008299"/>
+            <a:ext cx="6427660" cy="4165411"/>
+          </a:xfrm>
+          <a:prstGeom prst="rect">
+            <a:avLst/>
+          </a:prstGeom>
+        </p:spPr>
+      </p:pic>
+      <p:pic>
+        <p:nvPicPr>
+          <p:cNvPr id="5" name="_x431726840" descr="EMB00001eec26b2"/>
+          <p:cNvPicPr>
+            <a:picLocks noChangeAspect="1" noChangeArrowheads="1"/>
+          </p:cNvPicPr>
+          <p:nvPr/>
+        </p:nvPicPr>
+        <p:blipFill>
+          <a:blip r:embed="rId3">
+            <a:extLst>
+              <a:ext uri="{28A0092B-C50C-407E-A947-70E740481C1C}">
+                <a14:useLocalDpi xmlns:a14="http://schemas.microsoft.com/office/drawing/2010/main" val="0"/>
+              </a:ext>
+            </a:extLst>
+          </a:blip>
+          <a:srcRect/>
+          <a:stretch>
+            <a:fillRect/>
+          </a:stretch>
+        </p:blipFill>
+        <p:spPr bwMode="auto">
+          <a:xfrm>
+            <a:off x="7617641" y="2847265"/>
+            <a:ext cx="4001134" cy="2487478"/>
+          </a:xfrm>
+          <a:prstGeom prst="rect">
+            <a:avLst/>
+          </a:prstGeom>
+          <a:noFill/>
+          <a:extLst>
+            <a:ext uri="{909E8E84-426E-40DD-AFC4-6F175D3DCCD1}">
+              <a14:hiddenFill xmlns:a14="http://schemas.microsoft.com/office/drawing/2010/main">
+                <a:solidFill>
+                  <a:srgbClr val="FFFFFF"/>
+                </a:solidFill>
+              </a14:hiddenFill>
+            </a:ext>
+          </a:extLst>
+        </p:spPr>
+      </p:pic>
+    </p:spTree>
+    <p:extLst>
+      <p:ext uri="{BB962C8B-B14F-4D97-AF65-F5344CB8AC3E}">
+        <p14:creationId xmlns:p14="http://schemas.microsoft.com/office/powerpoint/2010/main" val="1922171507"/>
+      </p:ext>
+    </p:extLst>
+  </p:cSld>
+  <p:clrMapOvr>
+    <a:masterClrMapping/>
+  </p:clrMapOvr>
+  <p:timing>
+    <p:tnLst>
+      <p:par>
+        <p:cTn id="1" dur="indefinite" restart="never" nodeType="tmRoot"/>
+      </p:par>
+    </p:tnLst>
+  </p:timing>
+</p:sld>
+</file>
+
+<file path=ppt/slides/slide4.xml><?xml version="1.0" encoding="utf-8"?>
+<p:sld xmlns:a="http://schemas.openxmlformats.org/drawingml/2006/main" xmlns:r="http://schemas.openxmlformats.org/officeDocument/2006/relationships" xmlns:p="http://schemas.openxmlformats.org/presentationml/2006/main">
+  <p:cSld>
+    <p:spTree>
+      <p:nvGrpSpPr>
+        <p:cNvPr id="1" name=""/>
+        <p:cNvGrpSpPr/>
+        <p:nvPr/>
+      </p:nvGrpSpPr>
+      <p:grpSpPr>
+        <a:xfrm>
+          <a:off x="0" y="0"/>
+          <a:ext cx="0" cy="0"/>
+          <a:chOff x="0" y="0"/>
+          <a:chExt cx="0" cy="0"/>
+        </a:xfrm>
+      </p:grpSpPr>
+      <p:sp>
+        <p:nvSpPr>
+          <p:cNvPr id="2" name="제목 1">
+            <a:extLst>
+              <a:ext uri="{FF2B5EF4-FFF2-40B4-BE49-F238E27FC236}">
+                <a16:creationId xmlns="" xmlns:a16="http://schemas.microsoft.com/office/drawing/2014/main" id="{9CE7203B-F649-4335-A715-32934C66B545}"/>
+              </a:ext>
+            </a:extLst>
+          </p:cNvPr>
+          <p:cNvSpPr>
+            <a:spLocks noGrp="1"/>
+          </p:cNvSpPr>
+          <p:nvPr>
+            <p:ph type="title"/>
+          </p:nvPr>
+        </p:nvSpPr>
+        <p:spPr/>
+        <p:txBody>
+          <a:bodyPr>
+            <a:normAutofit/>
+          </a:bodyPr>
+          <a:lstStyle/>
+          <a:p>
+            <a:pPr algn="ctr"/>
+            <a:r>
+              <a:rPr lang="ko-KR" altLang="en-US" sz="3200" b="1" dirty="0"/>
+              <a:t>자율주행기능을 위한 차선인식 및 </a:t>
+            </a:r>
+            <a:r>
+              <a:rPr lang="en-US" altLang="ko-KR" sz="3200" b="1" dirty="0"/>
+              <a:t>steering </a:t>
+            </a:r>
+            <a:r>
+              <a:rPr lang="ko-KR" altLang="en-US" sz="3200" b="1" dirty="0"/>
+              <a:t>알고리즘</a:t>
+            </a:r>
+            <a:endParaRPr lang="ko-KR" altLang="en-US" sz="3200" dirty="0"/>
+          </a:p>
+        </p:txBody>
+      </p:sp>
+      <p:sp>
+        <p:nvSpPr>
+          <p:cNvPr id="4" name="Rectangle 2"/>
+          <p:cNvSpPr>
+            <a:spLocks noChangeArrowheads="1"/>
+          </p:cNvSpPr>
+          <p:nvPr/>
+        </p:nvSpPr>
+        <p:spPr bwMode="auto">
+          <a:xfrm>
+            <a:off x="751668" y="1146875"/>
+            <a:ext cx="12192000" cy="457200"/>
+          </a:xfrm>
+          <a:prstGeom prst="rect">
+            <a:avLst/>
+          </a:prstGeom>
+          <a:noFill/>
+          <a:ln>
+            <a:noFill/>
+          </a:ln>
+          <a:effectLst/>
+          <a:extLst>
+            <a:ext uri="{909E8E84-426E-40DD-AFC4-6F175D3DCCD1}">
+              <a14:hiddenFill xmlns:a14="http://schemas.microsoft.com/office/drawing/2010/main">
+                <a:solidFill>
+                  <a:schemeClr val="accent1"/>
+                </a:solidFill>
+              </a14:hiddenFill>
+            </a:ext>
+            <a:ext uri="{91240B29-F687-4F45-9708-019B960494DF}">
+              <a14:hiddenLine xmlns:a14="http://schemas.microsoft.com/office/drawing/2010/main" w="9525">
+                <a:solidFill>
+                  <a:schemeClr val="tx1"/>
+                </a:solidFill>
+                <a:miter lim="800000"/>
+                <a:headEnd/>
+                <a:tailEnd/>
+              </a14:hiddenLine>
+            </a:ext>
+            <a:ext uri="{AF507438-7753-43E0-B8FC-AC1667EBCBE1}">
+              <a14:hiddenEffects xmlns:a14="http://schemas.microsoft.com/office/drawing/2010/main">
+                <a:effectLst>
+                  <a:outerShdw dist="35921" dir="2700000" algn="ctr" rotWithShape="0">
+                    <a:schemeClr val="bg2"/>
+                  </a:outerShdw>
+                </a:effectLst>
+              </a14:hiddenEffects>
+            </a:ext>
+          </a:extLst>
+        </p:spPr>
+        <p:txBody>
+          <a:bodyPr vert="horz" wrap="none" lIns="91440" tIns="45720" rIns="91440" bIns="45720" numCol="1" anchor="ctr" anchorCtr="0" compatLnSpc="1">
+            <a:prstTxWarp prst="textNoShape">
+              <a:avLst/>
+            </a:prstTxWarp>
+            <a:spAutoFit/>
+          </a:bodyPr>
+          <a:lstStyle/>
+          <a:p>
+            <a:endParaRPr lang="ko-KR" altLang="en-US"/>
+          </a:p>
+        </p:txBody>
+      </p:sp>
+      <p:pic>
+        <p:nvPicPr>
+          <p:cNvPr id="5" name="그림 4"/>
+          <p:cNvPicPr>
+            <a:picLocks noChangeAspect="1"/>
+          </p:cNvPicPr>
+          <p:nvPr/>
+        </p:nvPicPr>
+        <p:blipFill>
+          <a:blip r:embed="rId2">
+            <a:extLst>
+              <a:ext uri="{28A0092B-C50C-407E-A947-70E740481C1C}">
+                <a14:useLocalDpi xmlns:a14="http://schemas.microsoft.com/office/drawing/2010/main" val="0"/>
+              </a:ext>
+            </a:extLst>
+          </a:blip>
+          <a:stretch>
+            <a:fillRect/>
+          </a:stretch>
+        </p:blipFill>
+        <p:spPr>
+          <a:xfrm>
+            <a:off x="6487483" y="2492513"/>
+            <a:ext cx="3793060" cy="2433880"/>
+          </a:xfrm>
+          <a:prstGeom prst="rect">
+            <a:avLst/>
+          </a:prstGeom>
+        </p:spPr>
+      </p:pic>
+      <p:pic>
+        <p:nvPicPr>
+          <p:cNvPr id="6" name="그림 5"/>
+          <p:cNvPicPr>
+            <a:picLocks noChangeAspect="1"/>
+          </p:cNvPicPr>
+          <p:nvPr/>
+        </p:nvPicPr>
+        <p:blipFill>
+          <a:blip r:embed="rId3">
+            <a:extLst>
+              <a:ext uri="{28A0092B-C50C-407E-A947-70E740481C1C}">
+                <a14:useLocalDpi xmlns:a14="http://schemas.microsoft.com/office/drawing/2010/main" val="0"/>
+              </a:ext>
+            </a:extLst>
+          </a:blip>
+          <a:stretch>
+            <a:fillRect/>
+          </a:stretch>
+        </p:blipFill>
+        <p:spPr>
+          <a:xfrm>
+            <a:off x="1644263" y="2492513"/>
+            <a:ext cx="3793060" cy="2433880"/>
+          </a:xfrm>
+          <a:prstGeom prst="rect">
+            <a:avLst/>
+          </a:prstGeom>
+        </p:spPr>
+      </p:pic>
+      <p:sp>
+        <p:nvSpPr>
+          <p:cNvPr id="8" name="타원 7"/>
+          <p:cNvSpPr/>
+          <p:nvPr/>
+        </p:nvSpPr>
+        <p:spPr>
+          <a:xfrm>
+            <a:off x="1644262" y="3076414"/>
+            <a:ext cx="1168679" cy="805912"/>
+          </a:xfrm>
+          <a:prstGeom prst="ellipse">
+            <a:avLst/>
+          </a:prstGeom>
+          <a:noFill/>
+          <a:ln>
+            <a:solidFill>
+              <a:srgbClr val="FF0000"/>
+            </a:solidFill>
+          </a:ln>
+        </p:spPr>
+        <p:style>
+          <a:lnRef idx="2">
+            <a:schemeClr val="accent1">
+              <a:shade val="50000"/>
+            </a:schemeClr>
+          </a:lnRef>
+          <a:fillRef idx="1">
+            <a:schemeClr val="accent1"/>
+          </a:fillRef>
+          <a:effectRef idx="0">
+            <a:schemeClr val="accent1"/>
+          </a:effectRef>
+          <a:fontRef idx="minor">
+            <a:schemeClr val="lt1"/>
+          </a:fontRef>
+        </p:style>
+        <p:txBody>
+          <a:bodyPr rtlCol="0" anchor="ctr"/>
+          <a:lstStyle/>
+          <a:p>
+            <a:pPr algn="ctr"/>
+            <a:endParaRPr lang="ko-KR" altLang="en-US"/>
+          </a:p>
+        </p:txBody>
+      </p:sp>
+      <p:sp>
+        <p:nvSpPr>
+          <p:cNvPr id="10" name="타원 9"/>
+          <p:cNvSpPr/>
+          <p:nvPr/>
+        </p:nvSpPr>
+        <p:spPr>
+          <a:xfrm>
+            <a:off x="6487483" y="3076414"/>
+            <a:ext cx="1168679" cy="805912"/>
+          </a:xfrm>
+          <a:prstGeom prst="ellipse">
+            <a:avLst/>
+          </a:prstGeom>
+          <a:noFill/>
+          <a:ln>
+            <a:solidFill>
+              <a:srgbClr val="FF0000"/>
+            </a:solidFill>
+          </a:ln>
+        </p:spPr>
+        <p:style>
+          <a:lnRef idx="2">
+            <a:schemeClr val="accent1">
+              <a:shade val="50000"/>
+            </a:schemeClr>
+          </a:lnRef>
+          <a:fillRef idx="1">
+            <a:schemeClr val="accent1"/>
+          </a:fillRef>
+          <a:effectRef idx="0">
+            <a:schemeClr val="accent1"/>
+          </a:effectRef>
+          <a:fontRef idx="minor">
+            <a:schemeClr val="lt1"/>
+          </a:fontRef>
+        </p:style>
+        <p:txBody>
+          <a:bodyPr rtlCol="0" anchor="ctr"/>
+          <a:lstStyle/>
+          <a:p>
+            <a:pPr algn="ctr"/>
+            <a:endParaRPr lang="ko-KR" altLang="en-US"/>
+          </a:p>
+        </p:txBody>
+      </p:sp>
+      <p:sp>
+        <p:nvSpPr>
+          <p:cNvPr id="9" name="TextBox 8"/>
+          <p:cNvSpPr txBox="1"/>
+          <p:nvPr/>
+        </p:nvSpPr>
+        <p:spPr>
+          <a:xfrm>
+            <a:off x="2526224" y="5283072"/>
+            <a:ext cx="1526583" cy="369332"/>
+          </a:xfrm>
+          <a:prstGeom prst="rect">
+            <a:avLst/>
+          </a:prstGeom>
+          <a:noFill/>
+        </p:spPr>
+        <p:txBody>
+          <a:bodyPr wrap="square" rtlCol="0">
+            <a:spAutoFit/>
+          </a:bodyPr>
+          <a:lstStyle/>
+          <a:p>
+            <a:r>
+              <a:rPr lang="en-US" altLang="ko-KR" dirty="0" smtClean="0"/>
+              <a:t>Left 25degree</a:t>
+            </a:r>
+            <a:endParaRPr lang="ko-KR" altLang="en-US" dirty="0"/>
+          </a:p>
+        </p:txBody>
+      </p:sp>
+      <p:sp>
+        <p:nvSpPr>
+          <p:cNvPr id="12" name="TextBox 11"/>
+          <p:cNvSpPr txBox="1"/>
+          <p:nvPr/>
+        </p:nvSpPr>
+        <p:spPr>
+          <a:xfrm>
+            <a:off x="7591586" y="5321818"/>
+            <a:ext cx="1862381" cy="369332"/>
+          </a:xfrm>
+          <a:prstGeom prst="rect">
+            <a:avLst/>
+          </a:prstGeom>
+          <a:noFill/>
+        </p:spPr>
+        <p:txBody>
+          <a:bodyPr wrap="square" rtlCol="0">
+            <a:spAutoFit/>
+          </a:bodyPr>
+          <a:lstStyle/>
+          <a:p>
+            <a:r>
+              <a:rPr lang="en-US" altLang="ko-KR" dirty="0" smtClean="0"/>
+              <a:t>right 10degree</a:t>
+            </a:r>
+            <a:endParaRPr lang="ko-KR" altLang="en-US" dirty="0"/>
+          </a:p>
+        </p:txBody>
+      </p:sp>
+    </p:spTree>
+    <p:extLst>
+      <p:ext uri="{BB962C8B-B14F-4D97-AF65-F5344CB8AC3E}">
+        <p14:creationId xmlns:p14="http://schemas.microsoft.com/office/powerpoint/2010/main" val="970792571"/>
+      </p:ext>
+    </p:extLst>
+  </p:cSld>
+  <p:clrMapOvr>
+    <a:masterClrMapping/>
+  </p:clrMapOvr>
+  <p:timing>
+    <p:tnLst>
+      <p:par>
+        <p:cTn id="1" dur="indefinite" restart="never" nodeType="tmRoot"/>
+      </p:par>
+    </p:tnLst>
+  </p:timing>
+</p:sld>
+</file>
+
+<file path=ppt/slides/slide5.xml><?xml version="1.0" encoding="utf-8"?>
+<p:sld xmlns:a="http://schemas.openxmlformats.org/drawingml/2006/main" xmlns:r="http://schemas.openxmlformats.org/officeDocument/2006/relationships" xmlns:p="http://schemas.openxmlformats.org/presentationml/2006/main">
+  <p:cSld>
+    <p:spTree>
+      <p:nvGrpSpPr>
+        <p:cNvPr id="1" name=""/>
+        <p:cNvGrpSpPr/>
+        <p:nvPr/>
+      </p:nvGrpSpPr>
+      <p:grpSpPr>
+        <a:xfrm>
+          <a:off x="0" y="0"/>
+          <a:ext cx="0" cy="0"/>
+          <a:chOff x="0" y="0"/>
+          <a:chExt cx="0" cy="0"/>
+        </a:xfrm>
+      </p:grpSpPr>
+      <p:sp>
+        <p:nvSpPr>
+          <p:cNvPr id="2" name="제목 1">
+            <a:extLst>
+              <a:ext uri="{FF2B5EF4-FFF2-40B4-BE49-F238E27FC236}">
+                <a16:creationId xmlns="" xmlns:a16="http://schemas.microsoft.com/office/drawing/2014/main" id="{0AB62774-5A18-416E-BD17-DD7EA1FC0605}"/>
               </a:ext>
             </a:extLst>
           </p:cNvPr>
@@ -12727,7 +13525,7 @@
           <p:cNvPr id="5" name="내용 개체 틀 4">
             <a:extLst>
               <a:ext uri="{FF2B5EF4-FFF2-40B4-BE49-F238E27FC236}">
-                <a16:creationId xmlns:a16="http://schemas.microsoft.com/office/drawing/2014/main" id="{520C32F9-7243-4EC3-8CD4-0FC32696F158}"/>
+                <a16:creationId xmlns="" xmlns:a16="http://schemas.microsoft.com/office/drawing/2014/main" id="{520C32F9-7243-4EC3-8CD4-0FC32696F158}"/>
               </a:ext>
             </a:extLst>
           </p:cNvPr>
@@ -12764,10 +13562,17 @@
   <p:clrMapOvr>
     <a:masterClrMapping/>
   </p:clrMapOvr>
+  <p:timing>
+    <p:tnLst>
+      <p:par>
+        <p:cTn id="1" dur="indefinite" restart="never" nodeType="tmRoot"/>
+      </p:par>
+    </p:tnLst>
+  </p:timing>
 </p:sld>
 </file>
 
-<file path=ppt/slides/slide4.xml><?xml version="1.0" encoding="utf-8"?>
+<file path=ppt/slides/slide6.xml><?xml version="1.0" encoding="utf-8"?>
 <p:sld xmlns:a="http://schemas.openxmlformats.org/drawingml/2006/main" xmlns:r="http://schemas.openxmlformats.org/officeDocument/2006/relationships" xmlns:p="http://schemas.openxmlformats.org/presentationml/2006/main">
   <p:cSld>
     <p:spTree>
@@ -12789,7 +13594,7 @@
           <p:cNvPr id="2" name="제목 1">
             <a:extLst>
               <a:ext uri="{FF2B5EF4-FFF2-40B4-BE49-F238E27FC236}">
-                <a16:creationId xmlns:a16="http://schemas.microsoft.com/office/drawing/2014/main" id="{727F47F7-68E6-4484-8D31-A0E12C90117C}"/>
+                <a16:creationId xmlns="" xmlns:a16="http://schemas.microsoft.com/office/drawing/2014/main" id="{727F47F7-68E6-4484-8D31-A0E12C90117C}"/>
               </a:ext>
             </a:extLst>
           </p:cNvPr>
@@ -12823,7 +13628,7 @@
           <p:cNvPr id="4" name="내용 개체 틀 3">
             <a:extLst>
               <a:ext uri="{FF2B5EF4-FFF2-40B4-BE49-F238E27FC236}">
-                <a16:creationId xmlns:a16="http://schemas.microsoft.com/office/drawing/2014/main" id="{159D2467-A9FA-4FF4-8B84-DBA176C1CA8A}"/>
+                <a16:creationId xmlns="" xmlns:a16="http://schemas.microsoft.com/office/drawing/2014/main" id="{159D2467-A9FA-4FF4-8B84-DBA176C1CA8A}"/>
               </a:ext>
             </a:extLst>
           </p:cNvPr>
@@ -12860,6 +13665,13 @@
   <p:clrMapOvr>
     <a:masterClrMapping/>
   </p:clrMapOvr>
+  <p:timing>
+    <p:tnLst>
+      <p:par>
+        <p:cTn id="1" dur="indefinite" restart="never" nodeType="tmRoot"/>
+      </p:par>
+    </p:tnLst>
+  </p:timing>
 </p:sld>
 </file>
 
